--- a/war/images/idetc2013a/idetc2013a.pptx
+++ b/war/images/idetc2013a/idetc2013a.pptx
@@ -129,7 +129,7 @@
   </p:defaultTextStyle>
   <p:extLst>
     <p:ext uri="{EFAFB233-063F-42B5-8137-9DF3F51BA10A}">
-      <p15:sldGuideLst xmlns="" xmlns:p15="http://schemas.microsoft.com/office/powerpoint/2012/main"/>
+      <p15:sldGuideLst xmlns:p15="http://schemas.microsoft.com/office/powerpoint/2012/main" xmlns=""/>
     </p:ext>
   </p:extLst>
 </p:presentation>
@@ -267,7 +267,7 @@
             <a:fld id="{FAE2A863-0F63-4901-8AB7-38B6C12078E3}" type="datetimeFigureOut">
               <a:rPr lang="en-US" smtClean="0"/>
               <a:pPr/>
-              <a:t>7/12/2013</a:t>
+              <a:t>7/28/2013</a:t>
             </a:fld>
             <a:endParaRPr lang="en-US"/>
           </a:p>
@@ -319,7 +319,7 @@
     </p:spTree>
     <p:extLst>
       <p:ext uri="{BB962C8B-B14F-4D97-AF65-F5344CB8AC3E}">
-        <p14:creationId xmlns="" xmlns:p14="http://schemas.microsoft.com/office/powerpoint/2010/main" val="3134786112"/>
+        <p14:creationId xmlns:p14="http://schemas.microsoft.com/office/powerpoint/2010/main" xmlns="" val="3134786112"/>
       </p:ext>
     </p:extLst>
   </p:cSld>
@@ -439,7 +439,7 @@
             <a:fld id="{FAE2A863-0F63-4901-8AB7-38B6C12078E3}" type="datetimeFigureOut">
               <a:rPr lang="en-US" smtClean="0"/>
               <a:pPr/>
-              <a:t>7/12/2013</a:t>
+              <a:t>7/28/2013</a:t>
             </a:fld>
             <a:endParaRPr lang="en-US"/>
           </a:p>
@@ -491,7 +491,7 @@
     </p:spTree>
     <p:extLst>
       <p:ext uri="{BB962C8B-B14F-4D97-AF65-F5344CB8AC3E}">
-        <p14:creationId xmlns="" xmlns:p14="http://schemas.microsoft.com/office/powerpoint/2010/main" val="3158518089"/>
+        <p14:creationId xmlns:p14="http://schemas.microsoft.com/office/powerpoint/2010/main" xmlns="" val="3158518089"/>
       </p:ext>
     </p:extLst>
   </p:cSld>
@@ -621,7 +621,7 @@
             <a:fld id="{FAE2A863-0F63-4901-8AB7-38B6C12078E3}" type="datetimeFigureOut">
               <a:rPr lang="en-US" smtClean="0"/>
               <a:pPr/>
-              <a:t>7/12/2013</a:t>
+              <a:t>7/28/2013</a:t>
             </a:fld>
             <a:endParaRPr lang="en-US"/>
           </a:p>
@@ -673,7 +673,7 @@
     </p:spTree>
     <p:extLst>
       <p:ext uri="{BB962C8B-B14F-4D97-AF65-F5344CB8AC3E}">
-        <p14:creationId xmlns="" xmlns:p14="http://schemas.microsoft.com/office/powerpoint/2010/main" val="3456457685"/>
+        <p14:creationId xmlns:p14="http://schemas.microsoft.com/office/powerpoint/2010/main" xmlns="" val="3456457685"/>
       </p:ext>
     </p:extLst>
   </p:cSld>
@@ -793,7 +793,7 @@
             <a:fld id="{FAE2A863-0F63-4901-8AB7-38B6C12078E3}" type="datetimeFigureOut">
               <a:rPr lang="en-US" smtClean="0"/>
               <a:pPr/>
-              <a:t>7/12/2013</a:t>
+              <a:t>7/28/2013</a:t>
             </a:fld>
             <a:endParaRPr lang="en-US"/>
           </a:p>
@@ -845,7 +845,7 @@
     </p:spTree>
     <p:extLst>
       <p:ext uri="{BB962C8B-B14F-4D97-AF65-F5344CB8AC3E}">
-        <p14:creationId xmlns="" xmlns:p14="http://schemas.microsoft.com/office/powerpoint/2010/main" val="1206681984"/>
+        <p14:creationId xmlns:p14="http://schemas.microsoft.com/office/powerpoint/2010/main" xmlns="" val="1206681984"/>
       </p:ext>
     </p:extLst>
   </p:cSld>
@@ -1041,7 +1041,7 @@
             <a:fld id="{FAE2A863-0F63-4901-8AB7-38B6C12078E3}" type="datetimeFigureOut">
               <a:rPr lang="en-US" smtClean="0"/>
               <a:pPr/>
-              <a:t>7/12/2013</a:t>
+              <a:t>7/28/2013</a:t>
             </a:fld>
             <a:endParaRPr lang="en-US"/>
           </a:p>
@@ -1093,7 +1093,7 @@
     </p:spTree>
     <p:extLst>
       <p:ext uri="{BB962C8B-B14F-4D97-AF65-F5344CB8AC3E}">
-        <p14:creationId xmlns="" xmlns:p14="http://schemas.microsoft.com/office/powerpoint/2010/main" val="1930486031"/>
+        <p14:creationId xmlns:p14="http://schemas.microsoft.com/office/powerpoint/2010/main" xmlns="" val="1930486031"/>
       </p:ext>
     </p:extLst>
   </p:cSld>
@@ -1275,7 +1275,7 @@
             <a:fld id="{FAE2A863-0F63-4901-8AB7-38B6C12078E3}" type="datetimeFigureOut">
               <a:rPr lang="en-US" smtClean="0"/>
               <a:pPr/>
-              <a:t>7/12/2013</a:t>
+              <a:t>7/28/2013</a:t>
             </a:fld>
             <a:endParaRPr lang="en-US"/>
           </a:p>
@@ -1327,7 +1327,7 @@
     </p:spTree>
     <p:extLst>
       <p:ext uri="{BB962C8B-B14F-4D97-AF65-F5344CB8AC3E}">
-        <p14:creationId xmlns="" xmlns:p14="http://schemas.microsoft.com/office/powerpoint/2010/main" val="2769420414"/>
+        <p14:creationId xmlns:p14="http://schemas.microsoft.com/office/powerpoint/2010/main" xmlns="" val="2769420414"/>
       </p:ext>
     </p:extLst>
   </p:cSld>
@@ -1644,7 +1644,7 @@
             <a:fld id="{FAE2A863-0F63-4901-8AB7-38B6C12078E3}" type="datetimeFigureOut">
               <a:rPr lang="en-US" smtClean="0"/>
               <a:pPr/>
-              <a:t>7/12/2013</a:t>
+              <a:t>7/28/2013</a:t>
             </a:fld>
             <a:endParaRPr lang="en-US"/>
           </a:p>
@@ -1696,7 +1696,7 @@
     </p:spTree>
     <p:extLst>
       <p:ext uri="{BB962C8B-B14F-4D97-AF65-F5344CB8AC3E}">
-        <p14:creationId xmlns="" xmlns:p14="http://schemas.microsoft.com/office/powerpoint/2010/main" val="746917754"/>
+        <p14:creationId xmlns:p14="http://schemas.microsoft.com/office/powerpoint/2010/main" xmlns="" val="746917754"/>
       </p:ext>
     </p:extLst>
   </p:cSld>
@@ -1764,7 +1764,7 @@
             <a:fld id="{FAE2A863-0F63-4901-8AB7-38B6C12078E3}" type="datetimeFigureOut">
               <a:rPr lang="en-US" smtClean="0"/>
               <a:pPr/>
-              <a:t>7/12/2013</a:t>
+              <a:t>7/28/2013</a:t>
             </a:fld>
             <a:endParaRPr lang="en-US"/>
           </a:p>
@@ -1816,7 +1816,7 @@
     </p:spTree>
     <p:extLst>
       <p:ext uri="{BB962C8B-B14F-4D97-AF65-F5344CB8AC3E}">
-        <p14:creationId xmlns="" xmlns:p14="http://schemas.microsoft.com/office/powerpoint/2010/main" val="63536379"/>
+        <p14:creationId xmlns:p14="http://schemas.microsoft.com/office/powerpoint/2010/main" xmlns="" val="63536379"/>
       </p:ext>
     </p:extLst>
   </p:cSld>
@@ -1861,7 +1861,7 @@
             <a:fld id="{FAE2A863-0F63-4901-8AB7-38B6C12078E3}" type="datetimeFigureOut">
               <a:rPr lang="en-US" smtClean="0"/>
               <a:pPr/>
-              <a:t>7/12/2013</a:t>
+              <a:t>7/28/2013</a:t>
             </a:fld>
             <a:endParaRPr lang="en-US"/>
           </a:p>
@@ -1913,7 +1913,7 @@
     </p:spTree>
     <p:extLst>
       <p:ext uri="{BB962C8B-B14F-4D97-AF65-F5344CB8AC3E}">
-        <p14:creationId xmlns="" xmlns:p14="http://schemas.microsoft.com/office/powerpoint/2010/main" val="2935639444"/>
+        <p14:creationId xmlns:p14="http://schemas.microsoft.com/office/powerpoint/2010/main" xmlns="" val="2935639444"/>
       </p:ext>
     </p:extLst>
   </p:cSld>
@@ -2140,7 +2140,7 @@
             <a:fld id="{FAE2A863-0F63-4901-8AB7-38B6C12078E3}" type="datetimeFigureOut">
               <a:rPr lang="en-US" smtClean="0"/>
               <a:pPr/>
-              <a:t>7/12/2013</a:t>
+              <a:t>7/28/2013</a:t>
             </a:fld>
             <a:endParaRPr lang="en-US"/>
           </a:p>
@@ -2192,7 +2192,7 @@
     </p:spTree>
     <p:extLst>
       <p:ext uri="{BB962C8B-B14F-4D97-AF65-F5344CB8AC3E}">
-        <p14:creationId xmlns="" xmlns:p14="http://schemas.microsoft.com/office/powerpoint/2010/main" val="3778599256"/>
+        <p14:creationId xmlns:p14="http://schemas.microsoft.com/office/powerpoint/2010/main" xmlns="" val="3778599256"/>
       </p:ext>
     </p:extLst>
   </p:cSld>
@@ -2395,7 +2395,7 @@
             <a:fld id="{FAE2A863-0F63-4901-8AB7-38B6C12078E3}" type="datetimeFigureOut">
               <a:rPr lang="en-US" smtClean="0"/>
               <a:pPr/>
-              <a:t>7/12/2013</a:t>
+              <a:t>7/28/2013</a:t>
             </a:fld>
             <a:endParaRPr lang="en-US"/>
           </a:p>
@@ -2447,7 +2447,7 @@
     </p:spTree>
     <p:extLst>
       <p:ext uri="{BB962C8B-B14F-4D97-AF65-F5344CB8AC3E}">
-        <p14:creationId xmlns="" xmlns:p14="http://schemas.microsoft.com/office/powerpoint/2010/main" val="3786293009"/>
+        <p14:creationId xmlns:p14="http://schemas.microsoft.com/office/powerpoint/2010/main" xmlns="" val="3786293009"/>
       </p:ext>
     </p:extLst>
   </p:cSld>
@@ -2610,7 +2610,7 @@
             <a:fld id="{FAE2A863-0F63-4901-8AB7-38B6C12078E3}" type="datetimeFigureOut">
               <a:rPr lang="en-US" smtClean="0"/>
               <a:pPr/>
-              <a:t>7/12/2013</a:t>
+              <a:t>7/28/2013</a:t>
             </a:fld>
             <a:endParaRPr lang="en-US"/>
           </a:p>
@@ -2698,7 +2698,7 @@
     </p:spTree>
     <p:extLst>
       <p:ext uri="{BB962C8B-B14F-4D97-AF65-F5344CB8AC3E}">
-        <p14:creationId xmlns="" xmlns:p14="http://schemas.microsoft.com/office/powerpoint/2010/main" val="2774023478"/>
+        <p14:creationId xmlns:p14="http://schemas.microsoft.com/office/powerpoint/2010/main" xmlns="" val="2774023478"/>
       </p:ext>
     </p:extLst>
   </p:cSld>
@@ -3115,7 +3115,7 @@
     </p:spTree>
     <p:extLst>
       <p:ext uri="{BB962C8B-B14F-4D97-AF65-F5344CB8AC3E}">
-        <p14:creationId xmlns="" xmlns:p14="http://schemas.microsoft.com/office/powerpoint/2010/main" val="1098485466"/>
+        <p14:creationId xmlns:p14="http://schemas.microsoft.com/office/powerpoint/2010/main" xmlns="" val="1098485466"/>
       </p:ext>
     </p:extLst>
   </p:cSld>
@@ -3123,7 +3123,7 @@
     <a:masterClrMapping/>
   </p:clrMapOvr>
   <mc:AlternateContent xmlns:mc="http://schemas.openxmlformats.org/markup-compatibility/2006">
-    <mc:Choice xmlns="" xmlns:p14="http://schemas.microsoft.com/office/powerpoint/2010/main" Requires="p14">
+    <mc:Choice xmlns:p14="http://schemas.microsoft.com/office/powerpoint/2010/main" xmlns="" Requires="p14">
       <p:transition spd="med" p14:dur="700">
         <p:fade/>
       </p:transition>
@@ -3254,7 +3254,7 @@
           <p:nvPr>
             <p:extLst>
               <p:ext uri="{D42A27DB-BD31-4B8C-83A1-F6EECF244321}">
-                <p14:modId xmlns="" xmlns:p14="http://schemas.microsoft.com/office/powerpoint/2010/main" val="3599373754"/>
+                <p14:modId xmlns:p14="http://schemas.microsoft.com/office/powerpoint/2010/main" xmlns="" val="3599373754"/>
               </p:ext>
             </p:extLst>
           </p:nvPr>
@@ -3631,7 +3631,7 @@
     </p:spTree>
     <p:extLst>
       <p:ext uri="{BB962C8B-B14F-4D97-AF65-F5344CB8AC3E}">
-        <p14:creationId xmlns="" xmlns:p14="http://schemas.microsoft.com/office/powerpoint/2010/main" val="3232863881"/>
+        <p14:creationId xmlns:p14="http://schemas.microsoft.com/office/powerpoint/2010/main" xmlns="" val="3232863881"/>
       </p:ext>
     </p:extLst>
   </p:cSld>
@@ -3695,7 +3695,7 @@
           <p:nvPr>
             <p:extLst>
               <p:ext uri="{D42A27DB-BD31-4B8C-83A1-F6EECF244321}">
-                <p14:modId xmlns="" xmlns:p14="http://schemas.microsoft.com/office/powerpoint/2010/main" val="3039213615"/>
+                <p14:modId xmlns:p14="http://schemas.microsoft.com/office/powerpoint/2010/main" xmlns="" val="3039213615"/>
               </p:ext>
             </p:extLst>
           </p:nvPr>
@@ -4243,7 +4243,7 @@
     </p:spTree>
     <p:extLst>
       <p:ext uri="{BB962C8B-B14F-4D97-AF65-F5344CB8AC3E}">
-        <p14:creationId xmlns="" xmlns:p14="http://schemas.microsoft.com/office/powerpoint/2010/main" val="969690397"/>
+        <p14:creationId xmlns:p14="http://schemas.microsoft.com/office/powerpoint/2010/main" xmlns="" val="969690397"/>
       </p:ext>
     </p:extLst>
   </p:cSld>
@@ -4362,7 +4362,7 @@
           <a:blip r:embed="rId2" cstate="print">
             <a:extLst>
               <a:ext uri="{28A0092B-C50C-407E-A947-70E740481C1C}">
-                <a14:useLocalDpi xmlns="" xmlns:a14="http://schemas.microsoft.com/office/drawing/2010/main" val="0"/>
+                <a14:useLocalDpi xmlns:a14="http://schemas.microsoft.com/office/drawing/2010/main" xmlns="" val="0"/>
               </a:ext>
             </a:extLst>
           </a:blip>
@@ -4383,7 +4383,7 @@
     </p:spTree>
     <p:extLst>
       <p:ext uri="{BB962C8B-B14F-4D97-AF65-F5344CB8AC3E}">
-        <p14:creationId xmlns="" xmlns:p14="http://schemas.microsoft.com/office/powerpoint/2010/main" val="121137363"/>
+        <p14:creationId xmlns:p14="http://schemas.microsoft.com/office/powerpoint/2010/main" xmlns="" val="121137363"/>
       </p:ext>
     </p:extLst>
   </p:cSld>
@@ -4505,7 +4505,7 @@
           <a:blip r:embed="rId2" cstate="print">
             <a:extLst>
               <a:ext uri="{28A0092B-C50C-407E-A947-70E740481C1C}">
-                <a14:useLocalDpi xmlns="" xmlns:a14="http://schemas.microsoft.com/office/drawing/2010/main" val="0"/>
+                <a14:useLocalDpi xmlns:a14="http://schemas.microsoft.com/office/drawing/2010/main" xmlns="" val="0"/>
               </a:ext>
             </a:extLst>
           </a:blip>
@@ -4526,7 +4526,7 @@
     </p:spTree>
     <p:extLst>
       <p:ext uri="{BB962C8B-B14F-4D97-AF65-F5344CB8AC3E}">
-        <p14:creationId xmlns="" xmlns:p14="http://schemas.microsoft.com/office/powerpoint/2010/main" val="2179828430"/>
+        <p14:creationId xmlns:p14="http://schemas.microsoft.com/office/powerpoint/2010/main" xmlns="" val="2179828430"/>
       </p:ext>
     </p:extLst>
   </p:cSld>
@@ -4657,7 +4657,7 @@
           <a:blip r:embed="rId2" cstate="print">
             <a:extLst>
               <a:ext uri="{28A0092B-C50C-407E-A947-70E740481C1C}">
-                <a14:useLocalDpi xmlns="" xmlns:a14="http://schemas.microsoft.com/office/drawing/2010/main" val="0"/>
+                <a14:useLocalDpi xmlns:a14="http://schemas.microsoft.com/office/drawing/2010/main" xmlns="" val="0"/>
               </a:ext>
             </a:extLst>
           </a:blip>
@@ -4678,7 +4678,7 @@
     </p:spTree>
     <p:extLst>
       <p:ext uri="{BB962C8B-B14F-4D97-AF65-F5344CB8AC3E}">
-        <p14:creationId xmlns="" xmlns:p14="http://schemas.microsoft.com/office/powerpoint/2010/main" val="1479485445"/>
+        <p14:creationId xmlns:p14="http://schemas.microsoft.com/office/powerpoint/2010/main" xmlns="" val="1479485445"/>
       </p:ext>
     </p:extLst>
   </p:cSld>
@@ -4780,7 +4780,7 @@
           <a:blip r:embed="rId2" cstate="print">
             <a:extLst>
               <a:ext uri="{28A0092B-C50C-407E-A947-70E740481C1C}">
-                <a14:useLocalDpi xmlns="" xmlns:a14="http://schemas.microsoft.com/office/drawing/2010/main" val="0"/>
+                <a14:useLocalDpi xmlns:a14="http://schemas.microsoft.com/office/drawing/2010/main" xmlns="" val="0"/>
               </a:ext>
             </a:extLst>
           </a:blip>
@@ -4903,7 +4903,7 @@
           <a:blip r:embed="rId3" cstate="print">
             <a:extLst>
               <a:ext uri="{28A0092B-C50C-407E-A947-70E740481C1C}">
-                <a14:useLocalDpi xmlns="" xmlns:a14="http://schemas.microsoft.com/office/drawing/2010/main" val="0"/>
+                <a14:useLocalDpi xmlns:a14="http://schemas.microsoft.com/office/drawing/2010/main" xmlns="" val="0"/>
               </a:ext>
             </a:extLst>
           </a:blip>
@@ -4924,7 +4924,7 @@
     </p:spTree>
     <p:extLst>
       <p:ext uri="{BB962C8B-B14F-4D97-AF65-F5344CB8AC3E}">
-        <p14:creationId xmlns="" xmlns:p14="http://schemas.microsoft.com/office/powerpoint/2010/main" val="2359013221"/>
+        <p14:creationId xmlns:p14="http://schemas.microsoft.com/office/powerpoint/2010/main" xmlns="" val="2359013221"/>
       </p:ext>
     </p:extLst>
   </p:cSld>
@@ -5067,7 +5067,7 @@
     </p:spTree>
     <p:extLst>
       <p:ext uri="{BB962C8B-B14F-4D97-AF65-F5344CB8AC3E}">
-        <p14:creationId xmlns="" xmlns:p14="http://schemas.microsoft.com/office/powerpoint/2010/main" val="1514142092"/>
+        <p14:creationId xmlns:p14="http://schemas.microsoft.com/office/powerpoint/2010/main" xmlns="" val="1514142092"/>
       </p:ext>
     </p:extLst>
   </p:cSld>
@@ -5210,7 +5210,7 @@
     </p:spTree>
     <p:extLst>
       <p:ext uri="{BB962C8B-B14F-4D97-AF65-F5344CB8AC3E}">
-        <p14:creationId xmlns="" xmlns:p14="http://schemas.microsoft.com/office/powerpoint/2010/main" val="3165575984"/>
+        <p14:creationId xmlns:p14="http://schemas.microsoft.com/office/powerpoint/2010/main" xmlns="" val="3165575984"/>
       </p:ext>
     </p:extLst>
   </p:cSld>
@@ -5281,7 +5281,7 @@
           <a:blip r:embed="rId2" cstate="print">
             <a:extLst>
               <a:ext uri="{28A0092B-C50C-407E-A947-70E740481C1C}">
-                <a14:useLocalDpi xmlns="" xmlns:a14="http://schemas.microsoft.com/office/drawing/2010/main" val="0"/>
+                <a14:useLocalDpi xmlns:a14="http://schemas.microsoft.com/office/drawing/2010/main" xmlns="" val="0"/>
               </a:ext>
             </a:extLst>
           </a:blip>
@@ -5307,7 +5307,7 @@
           <a:blip r:embed="rId3" cstate="print">
             <a:extLst>
               <a:ext uri="{28A0092B-C50C-407E-A947-70E740481C1C}">
-                <a14:useLocalDpi xmlns="" xmlns:a14="http://schemas.microsoft.com/office/drawing/2010/main" val="0"/>
+                <a14:useLocalDpi xmlns:a14="http://schemas.microsoft.com/office/drawing/2010/main" xmlns="" val="0"/>
               </a:ext>
             </a:extLst>
           </a:blip>
@@ -5727,7 +5727,7 @@
     </p:spTree>
     <p:extLst>
       <p:ext uri="{BB962C8B-B14F-4D97-AF65-F5344CB8AC3E}">
-        <p14:creationId xmlns="" xmlns:p14="http://schemas.microsoft.com/office/powerpoint/2010/main" val="1692474478"/>
+        <p14:creationId xmlns:p14="http://schemas.microsoft.com/office/powerpoint/2010/main" xmlns="" val="1692474478"/>
       </p:ext>
     </p:extLst>
   </p:cSld>
@@ -5798,7 +5798,7 @@
           <a:blip r:embed="rId2" cstate="print">
             <a:extLst>
               <a:ext uri="{28A0092B-C50C-407E-A947-70E740481C1C}">
-                <a14:useLocalDpi xmlns="" xmlns:a14="http://schemas.microsoft.com/office/drawing/2010/main" val="0"/>
+                <a14:useLocalDpi xmlns:a14="http://schemas.microsoft.com/office/drawing/2010/main" xmlns="" val="0"/>
               </a:ext>
             </a:extLst>
           </a:blip>
@@ -5824,7 +5824,7 @@
           <a:blip r:embed="rId3" cstate="print">
             <a:extLst>
               <a:ext uri="{28A0092B-C50C-407E-A947-70E740481C1C}">
-                <a14:useLocalDpi xmlns="" xmlns:a14="http://schemas.microsoft.com/office/drawing/2010/main" val="0"/>
+                <a14:useLocalDpi xmlns:a14="http://schemas.microsoft.com/office/drawing/2010/main" xmlns="" val="0"/>
               </a:ext>
             </a:extLst>
           </a:blip>
@@ -6195,7 +6195,7 @@
     </p:spTree>
     <p:extLst>
       <p:ext uri="{BB962C8B-B14F-4D97-AF65-F5344CB8AC3E}">
-        <p14:creationId xmlns="" xmlns:p14="http://schemas.microsoft.com/office/powerpoint/2010/main" val="3648272544"/>
+        <p14:creationId xmlns:p14="http://schemas.microsoft.com/office/powerpoint/2010/main" xmlns="" val="3648272544"/>
       </p:ext>
     </p:extLst>
   </p:cSld>
@@ -6312,7 +6312,7 @@
     </p:spTree>
     <p:extLst>
       <p:ext uri="{BB962C8B-B14F-4D97-AF65-F5344CB8AC3E}">
-        <p14:creationId xmlns="" xmlns:p14="http://schemas.microsoft.com/office/powerpoint/2010/main" val="3224864979"/>
+        <p14:creationId xmlns:p14="http://schemas.microsoft.com/office/powerpoint/2010/main" xmlns="" val="3224864979"/>
       </p:ext>
     </p:extLst>
   </p:cSld>
@@ -6504,7 +6504,7 @@
     </p:spTree>
     <p:extLst>
       <p:ext uri="{BB962C8B-B14F-4D97-AF65-F5344CB8AC3E}">
-        <p14:creationId xmlns="" xmlns:p14="http://schemas.microsoft.com/office/powerpoint/2010/main" val="2615304921"/>
+        <p14:creationId xmlns:p14="http://schemas.microsoft.com/office/powerpoint/2010/main" xmlns="" val="2615304921"/>
       </p:ext>
     </p:extLst>
   </p:cSld>
@@ -7357,7 +7357,7 @@
     </p:spTree>
     <p:extLst>
       <p:ext uri="{BB962C8B-B14F-4D97-AF65-F5344CB8AC3E}">
-        <p14:creationId xmlns="" xmlns:p14="http://schemas.microsoft.com/office/powerpoint/2010/main" val="1778955080"/>
+        <p14:creationId xmlns:p14="http://schemas.microsoft.com/office/powerpoint/2010/main" xmlns="" val="1778955080"/>
       </p:ext>
     </p:extLst>
   </p:cSld>
@@ -7463,7 +7463,7 @@
     </p:spTree>
     <p:extLst>
       <p:ext uri="{BB962C8B-B14F-4D97-AF65-F5344CB8AC3E}">
-        <p14:creationId xmlns="" xmlns:p14="http://schemas.microsoft.com/office/powerpoint/2010/main" val="1864184403"/>
+        <p14:creationId xmlns:p14="http://schemas.microsoft.com/office/powerpoint/2010/main" xmlns="" val="1864184403"/>
       </p:ext>
     </p:extLst>
   </p:cSld>
@@ -7562,7 +7562,7 @@
     </p:spTree>
     <p:extLst>
       <p:ext uri="{BB962C8B-B14F-4D97-AF65-F5344CB8AC3E}">
-        <p14:creationId xmlns="" xmlns:p14="http://schemas.microsoft.com/office/powerpoint/2010/main" val="1904986199"/>
+        <p14:creationId xmlns:p14="http://schemas.microsoft.com/office/powerpoint/2010/main" xmlns="" val="1904986199"/>
       </p:ext>
     </p:extLst>
   </p:cSld>
@@ -7634,7 +7634,7 @@
     </p:spTree>
     <p:extLst>
       <p:ext uri="{BB962C8B-B14F-4D97-AF65-F5344CB8AC3E}">
-        <p14:creationId xmlns="" xmlns:p14="http://schemas.microsoft.com/office/powerpoint/2010/main" val="411213245"/>
+        <p14:creationId xmlns:p14="http://schemas.microsoft.com/office/powerpoint/2010/main" xmlns="" val="411213245"/>
       </p:ext>
     </p:extLst>
   </p:cSld>
@@ -7729,7 +7729,7 @@
     </p:spTree>
     <p:extLst>
       <p:ext uri="{BB962C8B-B14F-4D97-AF65-F5344CB8AC3E}">
-        <p14:creationId xmlns="" xmlns:p14="http://schemas.microsoft.com/office/powerpoint/2010/main" val="3467155264"/>
+        <p14:creationId xmlns:p14="http://schemas.microsoft.com/office/powerpoint/2010/main" xmlns="" val="3467155264"/>
       </p:ext>
     </p:extLst>
   </p:cSld>
@@ -7835,7 +7835,7 @@
     </p:spTree>
     <p:extLst>
       <p:ext uri="{BB962C8B-B14F-4D97-AF65-F5344CB8AC3E}">
-        <p14:creationId xmlns="" xmlns:p14="http://schemas.microsoft.com/office/powerpoint/2010/main" val="2721088962"/>
+        <p14:creationId xmlns:p14="http://schemas.microsoft.com/office/powerpoint/2010/main" xmlns="" val="2721088962"/>
       </p:ext>
     </p:extLst>
   </p:cSld>
@@ -8368,7 +8368,7 @@
     </p:spTree>
     <p:extLst>
       <p:ext uri="{BB962C8B-B14F-4D97-AF65-F5344CB8AC3E}">
-        <p14:creationId xmlns="" xmlns:p14="http://schemas.microsoft.com/office/powerpoint/2010/main" val="2406259641"/>
+        <p14:creationId xmlns:p14="http://schemas.microsoft.com/office/powerpoint/2010/main" xmlns="" val="2406259641"/>
       </p:ext>
     </p:extLst>
   </p:cSld>
@@ -9125,7 +9125,7 @@
     </p:spTree>
     <p:extLst>
       <p:ext uri="{BB962C8B-B14F-4D97-AF65-F5344CB8AC3E}">
-        <p14:creationId xmlns="" xmlns:p14="http://schemas.microsoft.com/office/powerpoint/2010/main" val="2161399699"/>
+        <p14:creationId xmlns:p14="http://schemas.microsoft.com/office/powerpoint/2010/main" xmlns="" val="2161399699"/>
       </p:ext>
     </p:extLst>
   </p:cSld>
@@ -9252,7 +9252,7 @@
           <p:nvPr>
             <p:extLst>
               <p:ext uri="{D42A27DB-BD31-4B8C-83A1-F6EECF244321}">
-                <p14:modId xmlns="" xmlns:p14="http://schemas.microsoft.com/office/powerpoint/2010/main" val="2648887691"/>
+                <p14:modId xmlns:p14="http://schemas.microsoft.com/office/powerpoint/2010/main" xmlns="" val="2648887691"/>
               </p:ext>
             </p:extLst>
           </p:nvPr>
@@ -9635,7 +9635,7 @@
     </p:spTree>
     <p:extLst>
       <p:ext uri="{BB962C8B-B14F-4D97-AF65-F5344CB8AC3E}">
-        <p14:creationId xmlns="" xmlns:p14="http://schemas.microsoft.com/office/powerpoint/2010/main" val="3299637351"/>
+        <p14:creationId xmlns:p14="http://schemas.microsoft.com/office/powerpoint/2010/main" xmlns="" val="3299637351"/>
       </p:ext>
     </p:extLst>
   </p:cSld>
@@ -9748,7 +9748,7 @@
           <p:nvPr>
             <p:extLst>
               <p:ext uri="{D42A27DB-BD31-4B8C-83A1-F6EECF244321}">
-                <p14:modId xmlns="" xmlns:p14="http://schemas.microsoft.com/office/powerpoint/2010/main" val="3931324257"/>
+                <p14:modId xmlns:p14="http://schemas.microsoft.com/office/powerpoint/2010/main" xmlns="" val="3931324257"/>
               </p:ext>
             </p:extLst>
           </p:nvPr>
@@ -9856,7 +9856,7 @@
                     <a:p>
                       <a:r>
                         <a:rPr lang="en-US" sz="2000" b="1" dirty="0" smtClean="0"/>
-                        <a:t>Figure A</a:t>
+                        <a:t>Person A</a:t>
                       </a:r>
                       <a:endParaRPr lang="en-US" sz="2000" b="1" dirty="0"/>
                     </a:p>
@@ -9942,7 +9942,11 @@
                     <a:p>
                       <a:r>
                         <a:rPr lang="en-US" sz="2000" b="1" dirty="0" smtClean="0"/>
-                        <a:t>Figure B</a:t>
+                        <a:t>Person </a:t>
+                      </a:r>
+                      <a:r>
+                        <a:rPr lang="en-US" sz="2000" b="1" dirty="0" smtClean="0"/>
+                        <a:t>B</a:t>
                       </a:r>
                       <a:endParaRPr lang="en-US" sz="2000" b="1" dirty="0"/>
                     </a:p>
@@ -10033,7 +10037,11 @@
                     <a:p>
                       <a:r>
                         <a:rPr lang="en-US" sz="2000" b="1" dirty="0" smtClean="0"/>
-                        <a:t>Figure C</a:t>
+                        <a:t>Person </a:t>
+                      </a:r>
+                      <a:r>
+                        <a:rPr lang="en-US" sz="2000" b="1" dirty="0" smtClean="0"/>
+                        <a:t>C</a:t>
                       </a:r>
                       <a:endParaRPr lang="en-US" sz="2000" b="1" dirty="0"/>
                     </a:p>
@@ -10116,7 +10124,11 @@
                     <a:p>
                       <a:r>
                         <a:rPr lang="en-US" sz="2000" b="1" dirty="0" smtClean="0"/>
-                        <a:t>Figure D</a:t>
+                        <a:t>Person </a:t>
+                      </a:r>
+                      <a:r>
+                        <a:rPr lang="en-US" sz="2000" b="1" dirty="0" smtClean="0"/>
+                        <a:t>D</a:t>
                       </a:r>
                       <a:endParaRPr lang="en-US" sz="2000" b="1" dirty="0"/>
                     </a:p>
@@ -10194,7 +10206,7 @@
     </p:spTree>
     <p:extLst>
       <p:ext uri="{BB962C8B-B14F-4D97-AF65-F5344CB8AC3E}">
-        <p14:creationId xmlns="" xmlns:p14="http://schemas.microsoft.com/office/powerpoint/2010/main" val="3660958785"/>
+        <p14:creationId xmlns:p14="http://schemas.microsoft.com/office/powerpoint/2010/main" xmlns="" val="3660958785"/>
       </p:ext>
     </p:extLst>
   </p:cSld>
@@ -11475,8 +11487,8 @@
         </p:nvSpPr>
         <p:spPr>
           <a:xfrm>
-            <a:off x="6978927" y="5947581"/>
-            <a:ext cx="4329903" cy="461665"/>
+            <a:off x="7928046" y="5936006"/>
+            <a:ext cx="3151440" cy="461665"/>
           </a:xfrm>
           <a:prstGeom prst="rect">
             <a:avLst/>
@@ -11491,7 +11503,15 @@
           <a:p>
             <a:r>
               <a:rPr lang="en-US" sz="2400" dirty="0" smtClean="0"/>
-              <a:t>Path length represents query size</a:t>
+              <a:t>Path </a:t>
+            </a:r>
+            <a:r>
+              <a:rPr lang="en-US" sz="2400" dirty="0" smtClean="0"/>
+              <a:t>length = query </a:t>
+            </a:r>
+            <a:r>
+              <a:rPr lang="en-US" sz="2400" dirty="0" smtClean="0"/>
+              <a:t>size</a:t>
             </a:r>
             <a:endParaRPr lang="en-US" sz="2400" dirty="0"/>
           </a:p>
@@ -11505,8 +11525,8 @@
         </p:nvSpPr>
         <p:spPr>
           <a:xfrm rot="16200000">
-            <a:off x="9455901" y="4296422"/>
-            <a:ext cx="301444" cy="3023416"/>
+            <a:off x="9332370" y="4592741"/>
+            <a:ext cx="301444" cy="2430778"/>
           </a:xfrm>
           <a:prstGeom prst="leftBrace">
             <a:avLst>
@@ -11543,10 +11563,90 @@
           </a:p>
         </p:txBody>
       </p:sp>
+      <p:sp>
+        <p:nvSpPr>
+          <p:cNvPr id="33" name="Left Brace 32"/>
+          <p:cNvSpPr/>
+          <p:nvPr/>
+        </p:nvSpPr>
+        <p:spPr>
+          <a:xfrm rot="10800000">
+            <a:off x="10925810" y="2164080"/>
+            <a:ext cx="301444" cy="3271078"/>
+          </a:xfrm>
+          <a:prstGeom prst="leftBrace">
+            <a:avLst>
+              <a:gd name="adj1" fmla="val 86695"/>
+              <a:gd name="adj2" fmla="val 50000"/>
+            </a:avLst>
+          </a:prstGeom>
+          <a:ln>
+            <a:solidFill>
+              <a:schemeClr val="tx1"/>
+            </a:solidFill>
+          </a:ln>
+        </p:spPr>
+        <p:style>
+          <a:lnRef idx="1">
+            <a:schemeClr val="accent1"/>
+          </a:lnRef>
+          <a:fillRef idx="0">
+            <a:schemeClr val="accent1"/>
+          </a:fillRef>
+          <a:effectRef idx="0">
+            <a:schemeClr val="accent1"/>
+          </a:effectRef>
+          <a:fontRef idx="minor">
+            <a:schemeClr val="tx1"/>
+          </a:fontRef>
+        </p:style>
+        <p:txBody>
+          <a:bodyPr rtlCol="0" anchor="ctr"/>
+          <a:lstStyle/>
+          <a:p>
+            <a:pPr algn="ctr"/>
+            <a:endParaRPr lang="en-US"/>
+          </a:p>
+        </p:txBody>
+      </p:sp>
+      <p:sp>
+        <p:nvSpPr>
+          <p:cNvPr id="34" name="TextBox 33"/>
+          <p:cNvSpPr txBox="1"/>
+          <p:nvPr/>
+        </p:nvSpPr>
+        <p:spPr>
+          <a:xfrm rot="16200000">
+            <a:off x="9831121" y="3553554"/>
+            <a:ext cx="3284554" cy="461665"/>
+          </a:xfrm>
+          <a:prstGeom prst="rect">
+            <a:avLst/>
+          </a:prstGeom>
+          <a:noFill/>
+        </p:spPr>
+        <p:txBody>
+          <a:bodyPr wrap="none" rtlCol="0">
+            <a:spAutoFit/>
+          </a:bodyPr>
+          <a:lstStyle/>
+          <a:p>
+            <a:r>
+              <a:rPr lang="en-US" sz="2400" dirty="0" smtClean="0"/>
+              <a:t>Leaf node = </a:t>
+            </a:r>
+            <a:r>
+              <a:rPr lang="en-US" sz="2400" dirty="0" smtClean="0"/>
+              <a:t>Group label</a:t>
+            </a:r>
+            <a:endParaRPr lang="en-US" sz="2400" dirty="0"/>
+          </a:p>
+        </p:txBody>
+      </p:sp>
     </p:spTree>
     <p:extLst>
       <p:ext uri="{BB962C8B-B14F-4D97-AF65-F5344CB8AC3E}">
-        <p14:creationId xmlns="" xmlns:p14="http://schemas.microsoft.com/office/powerpoint/2010/main" val="4047596005"/>
+        <p14:creationId xmlns:p14="http://schemas.microsoft.com/office/powerpoint/2010/main" xmlns="" val="4047596005"/>
       </p:ext>
     </p:extLst>
   </p:cSld>
@@ -11811,7 +11911,7 @@
   <a:extraClrSchemeLst/>
   <a:extLst>
     <a:ext uri="{05A4C25C-085E-4340-85A3-A5531E510DB2}">
-      <thm15:themeFamily xmlns="" xmlns:thm15="http://schemas.microsoft.com/office/thememl/2012/main" name="Office Theme" id="{62F939B6-93AF-4DB8-9C6B-D6C7DFDC589F}" vid="{4A3C46E8-61CC-4603-A589-7422A47A8E4A}"/>
+      <thm15:themeFamily xmlns:thm15="http://schemas.microsoft.com/office/thememl/2012/main" xmlns="" name="Office Theme" id="{62F939B6-93AF-4DB8-9C6B-D6C7DFDC589F}" vid="{4A3C46E8-61CC-4603-A589-7422A47A8E4A}"/>
     </a:ext>
   </a:extLst>
 </a:theme>

--- a/war/images/idetc2013a/idetc2013a.pptx
+++ b/war/images/idetc2013a/idetc2013a.pptx
@@ -10347,6 +10347,7 @@
           </a:bodyPr>
           <a:lstStyle/>
           <a:p>
+            <a:pPr algn="r"/>
             <a:r>
               <a:rPr lang="en-US" sz="2400" dirty="0" smtClean="0"/>
               <a:t>More queries / Less entropy</a:t>
@@ -10390,7 +10391,7 @@
           <a:bodyPr rtlCol="0" anchor="ctr"/>
           <a:lstStyle/>
           <a:p>
-            <a:pPr algn="ctr"/>
+            <a:pPr algn="r"/>
             <a:endParaRPr lang="en-US"/>
           </a:p>
         </p:txBody>
@@ -10417,6 +10418,7 @@
           </a:bodyPr>
           <a:lstStyle/>
           <a:p>
+            <a:pPr algn="r"/>
             <a:r>
               <a:rPr lang="en-US" sz="2400" dirty="0" smtClean="0"/>
               <a:t>Query 1</a:t>
@@ -10537,7 +10539,7 @@
           <a:bodyPr rtlCol="0" anchor="ctr"/>
           <a:lstStyle/>
           <a:p>
-            <a:pPr algn="ctr"/>
+            <a:pPr algn="r"/>
             <a:endParaRPr lang="en-US"/>
           </a:p>
         </p:txBody>
@@ -10577,7 +10579,7 @@
           <a:bodyPr rtlCol="0" anchor="ctr"/>
           <a:lstStyle/>
           <a:p>
-            <a:pPr algn="ctr"/>
+            <a:pPr algn="r"/>
             <a:endParaRPr lang="en-US"/>
           </a:p>
         </p:txBody>
@@ -10604,6 +10606,7 @@
           </a:bodyPr>
           <a:lstStyle/>
           <a:p>
+            <a:pPr algn="r"/>
             <a:r>
               <a:rPr lang="en-US" sz="2400" dirty="0" smtClean="0"/>
               <a:t>Yes</a:t>
@@ -10634,6 +10637,7 @@
           </a:bodyPr>
           <a:lstStyle/>
           <a:p>
+            <a:pPr algn="r"/>
             <a:r>
               <a:rPr lang="en-US" sz="2400" dirty="0" smtClean="0"/>
               <a:t>No</a:t>
@@ -10664,6 +10668,7 @@
           </a:bodyPr>
           <a:lstStyle/>
           <a:p>
+            <a:pPr algn="r"/>
             <a:r>
               <a:rPr lang="en-US" sz="2400" dirty="0" smtClean="0"/>
               <a:t>Query 2’</a:t>
@@ -10694,6 +10699,7 @@
           </a:bodyPr>
           <a:lstStyle/>
           <a:p>
+            <a:pPr algn="r"/>
             <a:r>
               <a:rPr lang="en-US" sz="2400" dirty="0" smtClean="0"/>
               <a:t>Query 2</a:t>
@@ -10748,7 +10754,7 @@
           <a:bodyPr rtlCol="0" anchor="ctr"/>
           <a:lstStyle/>
           <a:p>
-            <a:pPr algn="ctr"/>
+            <a:pPr algn="r"/>
             <a:endParaRPr lang="en-US"/>
           </a:p>
         </p:txBody>
@@ -10799,7 +10805,7 @@
           <a:bodyPr rtlCol="0" anchor="ctr"/>
           <a:lstStyle/>
           <a:p>
-            <a:pPr algn="ctr"/>
+            <a:pPr algn="r"/>
             <a:endParaRPr lang="en-US"/>
           </a:p>
         </p:txBody>
@@ -10850,7 +10856,7 @@
           <a:bodyPr rtlCol="0" anchor="ctr"/>
           <a:lstStyle/>
           <a:p>
-            <a:pPr algn="ctr"/>
+            <a:pPr algn="r"/>
             <a:endParaRPr lang="en-US"/>
           </a:p>
         </p:txBody>
@@ -10898,7 +10904,7 @@
           <a:bodyPr rtlCol="0" anchor="ctr"/>
           <a:lstStyle/>
           <a:p>
-            <a:pPr algn="ctr"/>
+            <a:pPr algn="r"/>
             <a:r>
               <a:rPr lang="en-US" b="1" dirty="0" smtClean="0">
                 <a:solidFill>
@@ -10958,7 +10964,7 @@
           <a:bodyPr rtlCol="0" anchor="ctr"/>
           <a:lstStyle/>
           <a:p>
-            <a:pPr algn="ctr"/>
+            <a:pPr algn="r"/>
             <a:r>
               <a:rPr lang="en-US" b="1" dirty="0" smtClean="0">
                 <a:solidFill>
@@ -11018,7 +11024,7 @@
           <a:bodyPr rtlCol="0" anchor="ctr"/>
           <a:lstStyle/>
           <a:p>
-            <a:pPr algn="ctr"/>
+            <a:pPr algn="r"/>
             <a:r>
               <a:rPr lang="en-US" b="1" dirty="0" smtClean="0">
                 <a:solidFill>
@@ -11078,7 +11084,7 @@
           <a:bodyPr rtlCol="0" anchor="ctr"/>
           <a:lstStyle/>
           <a:p>
-            <a:pPr algn="ctr"/>
+            <a:pPr algn="r"/>
             <a:r>
               <a:rPr lang="en-US" b="1" dirty="0" smtClean="0">
                 <a:solidFill>
@@ -11138,7 +11144,7 @@
           <a:bodyPr rtlCol="0" anchor="ctr"/>
           <a:lstStyle/>
           <a:p>
-            <a:pPr algn="ctr"/>
+            <a:pPr algn="r"/>
             <a:r>
               <a:rPr lang="en-US" b="1" dirty="0" smtClean="0">
                 <a:solidFill>
@@ -11198,7 +11204,7 @@
           <a:bodyPr rtlCol="0" anchor="ctr"/>
           <a:lstStyle/>
           <a:p>
-            <a:pPr algn="ctr"/>
+            <a:pPr algn="r"/>
             <a:r>
               <a:rPr lang="en-US" b="1" dirty="0" smtClean="0">
                 <a:solidFill>
@@ -11501,6 +11507,7 @@
           </a:bodyPr>
           <a:lstStyle/>
           <a:p>
+            <a:pPr algn="r"/>
             <a:r>
               <a:rPr lang="en-US" sz="2400" dirty="0" smtClean="0"/>
               <a:t>Path </a:t>
@@ -11558,7 +11565,7 @@
           <a:bodyPr rtlCol="0" anchor="ctr"/>
           <a:lstStyle/>
           <a:p>
-            <a:pPr algn="ctr"/>
+            <a:pPr algn="r"/>
             <a:endParaRPr lang="en-US"/>
           </a:p>
         </p:txBody>
@@ -11604,7 +11611,7 @@
           <a:bodyPr rtlCol="0" anchor="ctr"/>
           <a:lstStyle/>
           <a:p>
-            <a:pPr algn="ctr"/>
+            <a:pPr algn="r"/>
             <a:endParaRPr lang="en-US"/>
           </a:p>
         </p:txBody>
@@ -11631,6 +11638,7 @@
           </a:bodyPr>
           <a:lstStyle/>
           <a:p>
+            <a:pPr algn="r"/>
             <a:r>
               <a:rPr lang="en-US" sz="2400" dirty="0" smtClean="0"/>
               <a:t>Leaf node = </a:t>
